--- a/Denovo_pipeline_counts.pptx
+++ b/Denovo_pipeline_counts.pptx
@@ -104,6 +104,11 @@
       </a:defRPr>
     </a:lvl9pPr>
   </p:defaultTextStyle>
+  <p:extLst>
+    <p:ext uri="{EFAFB233-063F-42B5-8137-9DF3F51BA10A}">
+      <p15:sldGuideLst xmlns:p15="http://schemas.microsoft.com/office/powerpoint/2012/main"/>
+    </p:ext>
+  </p:extLst>
 </p:presentation>
 </file>
 
@@ -254,7 +259,7 @@
           <a:p>
             <a:fld id="{4AE80A5F-C3DE-4227-A0C5-F24A24BCC360}" type="datetimeFigureOut">
               <a:rPr lang="en-US" smtClean="0"/>
-              <a:t>10/12/2019</a:t>
+              <a:t>10/13/2019</a:t>
             </a:fld>
             <a:endParaRPr lang="en-US"/>
           </a:p>
@@ -452,7 +457,7 @@
           <a:p>
             <a:fld id="{4AE80A5F-C3DE-4227-A0C5-F24A24BCC360}" type="datetimeFigureOut">
               <a:rPr lang="en-US" smtClean="0"/>
-              <a:t>10/12/2019</a:t>
+              <a:t>10/13/2019</a:t>
             </a:fld>
             <a:endParaRPr lang="en-US"/>
           </a:p>
@@ -660,7 +665,7 @@
           <a:p>
             <a:fld id="{4AE80A5F-C3DE-4227-A0C5-F24A24BCC360}" type="datetimeFigureOut">
               <a:rPr lang="en-US" smtClean="0"/>
-              <a:t>10/12/2019</a:t>
+              <a:t>10/13/2019</a:t>
             </a:fld>
             <a:endParaRPr lang="en-US"/>
           </a:p>
@@ -858,7 +863,7 @@
           <a:p>
             <a:fld id="{4AE80A5F-C3DE-4227-A0C5-F24A24BCC360}" type="datetimeFigureOut">
               <a:rPr lang="en-US" smtClean="0"/>
-              <a:t>10/12/2019</a:t>
+              <a:t>10/13/2019</a:t>
             </a:fld>
             <a:endParaRPr lang="en-US"/>
           </a:p>
@@ -1133,7 +1138,7 @@
           <a:p>
             <a:fld id="{4AE80A5F-C3DE-4227-A0C5-F24A24BCC360}" type="datetimeFigureOut">
               <a:rPr lang="en-US" smtClean="0"/>
-              <a:t>10/12/2019</a:t>
+              <a:t>10/13/2019</a:t>
             </a:fld>
             <a:endParaRPr lang="en-US"/>
           </a:p>
@@ -1398,7 +1403,7 @@
           <a:p>
             <a:fld id="{4AE80A5F-C3DE-4227-A0C5-F24A24BCC360}" type="datetimeFigureOut">
               <a:rPr lang="en-US" smtClean="0"/>
-              <a:t>10/12/2019</a:t>
+              <a:t>10/13/2019</a:t>
             </a:fld>
             <a:endParaRPr lang="en-US"/>
           </a:p>
@@ -1810,7 +1815,7 @@
           <a:p>
             <a:fld id="{4AE80A5F-C3DE-4227-A0C5-F24A24BCC360}" type="datetimeFigureOut">
               <a:rPr lang="en-US" smtClean="0"/>
-              <a:t>10/12/2019</a:t>
+              <a:t>10/13/2019</a:t>
             </a:fld>
             <a:endParaRPr lang="en-US"/>
           </a:p>
@@ -1951,7 +1956,7 @@
           <a:p>
             <a:fld id="{4AE80A5F-C3DE-4227-A0C5-F24A24BCC360}" type="datetimeFigureOut">
               <a:rPr lang="en-US" smtClean="0"/>
-              <a:t>10/12/2019</a:t>
+              <a:t>10/13/2019</a:t>
             </a:fld>
             <a:endParaRPr lang="en-US"/>
           </a:p>
@@ -2064,7 +2069,7 @@
           <a:p>
             <a:fld id="{4AE80A5F-C3DE-4227-A0C5-F24A24BCC360}" type="datetimeFigureOut">
               <a:rPr lang="en-US" smtClean="0"/>
-              <a:t>10/12/2019</a:t>
+              <a:t>10/13/2019</a:t>
             </a:fld>
             <a:endParaRPr lang="en-US"/>
           </a:p>
@@ -2375,7 +2380,7 @@
           <a:p>
             <a:fld id="{4AE80A5F-C3DE-4227-A0C5-F24A24BCC360}" type="datetimeFigureOut">
               <a:rPr lang="en-US" smtClean="0"/>
-              <a:t>10/12/2019</a:t>
+              <a:t>10/13/2019</a:t>
             </a:fld>
             <a:endParaRPr lang="en-US"/>
           </a:p>
@@ -2663,7 +2668,7 @@
           <a:p>
             <a:fld id="{4AE80A5F-C3DE-4227-A0C5-F24A24BCC360}" type="datetimeFigureOut">
               <a:rPr lang="en-US" smtClean="0"/>
-              <a:t>10/12/2019</a:t>
+              <a:t>10/13/2019</a:t>
             </a:fld>
             <a:endParaRPr lang="en-US"/>
           </a:p>
@@ -2904,7 +2909,7 @@
           <a:p>
             <a:fld id="{4AE80A5F-C3DE-4227-A0C5-F24A24BCC360}" type="datetimeFigureOut">
               <a:rPr lang="en-US" smtClean="0"/>
-              <a:t>10/12/2019</a:t>
+              <a:t>10/13/2019</a:t>
             </a:fld>
             <a:endParaRPr lang="en-US"/>
           </a:p>
@@ -3509,8 +3514,13 @@
             <a:pPr algn="ctr"/>
             <a:r>
               <a:rPr lang="en-US" sz="1100" dirty="0"/>
-              <a:t>RE &gt; 2</a:t>
-            </a:r>
+              <a:t>RE </a:t>
+            </a:r>
+            <a:r>
+              <a:rPr lang="en-US" sz="1100"/>
+              <a:t>&gt; 5</a:t>
+            </a:r>
+            <a:endParaRPr lang="en-US" sz="1100" dirty="0"/>
           </a:p>
           <a:p>
             <a:pPr algn="ctr"/>
@@ -4335,7 +4345,7 @@
           <p:nvPr>
             <p:extLst>
               <p:ext uri="{D42A27DB-BD31-4B8C-83A1-F6EECF244321}">
-                <p14:modId xmlns:p14="http://schemas.microsoft.com/office/powerpoint/2010/main" val="2035872082"/>
+                <p14:modId xmlns:p14="http://schemas.microsoft.com/office/powerpoint/2010/main" val="359311907"/>
               </p:ext>
             </p:extLst>
           </p:nvPr>
@@ -4517,72 +4527,72 @@
                     <a:p>
                       <a:r>
                         <a:rPr lang="en-US" dirty="0"/>
-                        <a:t>14644</a:t>
-                      </a:r>
-                    </a:p>
-                  </a:txBody>
-                  <a:tcPr/>
-                </a:tc>
-                <a:tc>
-                  <a:txBody>
-                    <a:bodyPr/>
-                    <a:lstStyle/>
-                    <a:p>
-                      <a:r>
-                        <a:rPr lang="en-US" dirty="0"/>
-                        <a:t>2138</a:t>
-                      </a:r>
-                    </a:p>
-                  </a:txBody>
-                  <a:tcPr/>
-                </a:tc>
-                <a:tc>
-                  <a:txBody>
-                    <a:bodyPr/>
-                    <a:lstStyle/>
-                    <a:p>
-                      <a:r>
-                        <a:rPr lang="en-US" dirty="0"/>
-                        <a:t>4027</a:t>
-                      </a:r>
-                    </a:p>
-                  </a:txBody>
-                  <a:tcPr/>
-                </a:tc>
-                <a:tc>
-                  <a:txBody>
-                    <a:bodyPr/>
-                    <a:lstStyle/>
-                    <a:p>
-                      <a:r>
-                        <a:rPr lang="en-US" dirty="0"/>
-                        <a:t>2696</a:t>
-                      </a:r>
-                    </a:p>
-                  </a:txBody>
-                  <a:tcPr/>
-                </a:tc>
-                <a:tc>
-                  <a:txBody>
-                    <a:bodyPr/>
-                    <a:lstStyle/>
-                    <a:p>
-                      <a:r>
-                        <a:rPr lang="en-US" dirty="0"/>
-                        <a:t>11031</a:t>
-                      </a:r>
-                    </a:p>
-                  </a:txBody>
-                  <a:tcPr/>
-                </a:tc>
-                <a:tc>
-                  <a:txBody>
-                    <a:bodyPr/>
-                    <a:lstStyle/>
-                    <a:p>
-                      <a:r>
-                        <a:rPr lang="en-US" dirty="0"/>
-                        <a:t>34536</a:t>
+                        <a:t>12914</a:t>
+                      </a:r>
+                    </a:p>
+                  </a:txBody>
+                  <a:tcPr/>
+                </a:tc>
+                <a:tc>
+                  <a:txBody>
+                    <a:bodyPr/>
+                    <a:lstStyle/>
+                    <a:p>
+                      <a:r>
+                        <a:rPr lang="en-US" dirty="0"/>
+                        <a:t>1115</a:t>
+                      </a:r>
+                    </a:p>
+                  </a:txBody>
+                  <a:tcPr/>
+                </a:tc>
+                <a:tc>
+                  <a:txBody>
+                    <a:bodyPr/>
+                    <a:lstStyle/>
+                    <a:p>
+                      <a:r>
+                        <a:rPr lang="en-US" dirty="0"/>
+                        <a:t>8808</a:t>
+                      </a:r>
+                    </a:p>
+                  </a:txBody>
+                  <a:tcPr/>
+                </a:tc>
+                <a:tc>
+                  <a:txBody>
+                    <a:bodyPr/>
+                    <a:lstStyle/>
+                    <a:p>
+                      <a:r>
+                        <a:rPr lang="en-US" dirty="0"/>
+                        <a:t>539</a:t>
+                      </a:r>
+                    </a:p>
+                  </a:txBody>
+                  <a:tcPr/>
+                </a:tc>
+                <a:tc>
+                  <a:txBody>
+                    <a:bodyPr/>
+                    <a:lstStyle/>
+                    <a:p>
+                      <a:r>
+                        <a:rPr lang="en-US" dirty="0"/>
+                        <a:t>3462</a:t>
+                      </a:r>
+                    </a:p>
+                  </a:txBody>
+                  <a:tcPr/>
+                </a:tc>
+                <a:tc>
+                  <a:txBody>
+                    <a:bodyPr/>
+                    <a:lstStyle/>
+                    <a:p>
+                      <a:r>
+                        <a:rPr lang="en-US" dirty="0"/>
+                        <a:t>26838</a:t>
                       </a:r>
                     </a:p>
                   </a:txBody>
@@ -4615,72 +4625,72 @@
                     <a:p>
                       <a:r>
                         <a:rPr lang="en-US" dirty="0"/>
-                        <a:t>18014</a:t>
-                      </a:r>
-                    </a:p>
-                  </a:txBody>
-                  <a:tcPr/>
-                </a:tc>
-                <a:tc>
-                  <a:txBody>
-                    <a:bodyPr/>
-                    <a:lstStyle/>
-                    <a:p>
-                      <a:r>
-                        <a:rPr lang="en-US" dirty="0"/>
-                        <a:t>1577</a:t>
-                      </a:r>
-                    </a:p>
-                  </a:txBody>
-                  <a:tcPr/>
-                </a:tc>
-                <a:tc>
-                  <a:txBody>
-                    <a:bodyPr/>
-                    <a:lstStyle/>
-                    <a:p>
-                      <a:r>
-                        <a:rPr lang="en-US" dirty="0"/>
-                        <a:t>4361</a:t>
-                      </a:r>
-                    </a:p>
-                  </a:txBody>
-                  <a:tcPr/>
-                </a:tc>
-                <a:tc>
-                  <a:txBody>
-                    <a:bodyPr/>
-                    <a:lstStyle/>
-                    <a:p>
-                      <a:r>
-                        <a:rPr lang="en-US" dirty="0"/>
-                        <a:t>1883</a:t>
-                      </a:r>
-                    </a:p>
-                  </a:txBody>
-                  <a:tcPr/>
-                </a:tc>
-                <a:tc>
-                  <a:txBody>
-                    <a:bodyPr/>
-                    <a:lstStyle/>
-                    <a:p>
-                      <a:r>
-                        <a:rPr lang="en-US" dirty="0"/>
-                        <a:t>11329</a:t>
-                      </a:r>
-                    </a:p>
-                  </a:txBody>
-                  <a:tcPr/>
-                </a:tc>
-                <a:tc>
-                  <a:txBody>
-                    <a:bodyPr/>
-                    <a:lstStyle/>
-                    <a:p>
-                      <a:r>
-                        <a:rPr lang="en-US" dirty="0"/>
-                        <a:t>37164</a:t>
+                        <a:t>11083</a:t>
+                      </a:r>
+                    </a:p>
+                  </a:txBody>
+                  <a:tcPr/>
+                </a:tc>
+                <a:tc>
+                  <a:txBody>
+                    <a:bodyPr/>
+                    <a:lstStyle/>
+                    <a:p>
+                      <a:r>
+                        <a:rPr lang="en-US" dirty="0"/>
+                        <a:t>540</a:t>
+                      </a:r>
+                    </a:p>
+                  </a:txBody>
+                  <a:tcPr/>
+                </a:tc>
+                <a:tc>
+                  <a:txBody>
+                    <a:bodyPr/>
+                    <a:lstStyle/>
+                    <a:p>
+                      <a:r>
+                        <a:rPr lang="en-US" dirty="0"/>
+                        <a:t>6381</a:t>
+                      </a:r>
+                    </a:p>
+                  </a:txBody>
+                  <a:tcPr/>
+                </a:tc>
+                <a:tc>
+                  <a:txBody>
+                    <a:bodyPr/>
+                    <a:lstStyle/>
+                    <a:p>
+                      <a:r>
+                        <a:rPr lang="en-US" dirty="0"/>
+                        <a:t>336</a:t>
+                      </a:r>
+                    </a:p>
+                  </a:txBody>
+                  <a:tcPr/>
+                </a:tc>
+                <a:tc>
+                  <a:txBody>
+                    <a:bodyPr/>
+                    <a:lstStyle/>
+                    <a:p>
+                      <a:r>
+                        <a:rPr lang="en-US" dirty="0"/>
+                        <a:t>3601</a:t>
+                      </a:r>
+                    </a:p>
+                  </a:txBody>
+                  <a:tcPr/>
+                </a:tc>
+                <a:tc>
+                  <a:txBody>
+                    <a:bodyPr/>
+                    <a:lstStyle/>
+                    <a:p>
+                      <a:r>
+                        <a:rPr lang="en-US" dirty="0"/>
+                        <a:t>21941</a:t>
                       </a:r>
                     </a:p>
                   </a:txBody>
@@ -4713,72 +4723,72 @@
                     <a:p>
                       <a:r>
                         <a:rPr lang="en-US" dirty="0"/>
-                        <a:t>19665</a:t>
-                      </a:r>
-                    </a:p>
-                  </a:txBody>
-                  <a:tcPr/>
-                </a:tc>
-                <a:tc>
-                  <a:txBody>
-                    <a:bodyPr/>
-                    <a:lstStyle/>
-                    <a:p>
-                      <a:r>
-                        <a:rPr lang="en-US" dirty="0"/>
-                        <a:t>2569</a:t>
-                      </a:r>
-                    </a:p>
-                  </a:txBody>
-                  <a:tcPr/>
-                </a:tc>
-                <a:tc>
-                  <a:txBody>
-                    <a:bodyPr/>
-                    <a:lstStyle/>
-                    <a:p>
-                      <a:r>
-                        <a:rPr lang="en-US" dirty="0"/>
-                        <a:t>4095</a:t>
-                      </a:r>
-                    </a:p>
-                  </a:txBody>
-                  <a:tcPr/>
-                </a:tc>
-                <a:tc>
-                  <a:txBody>
-                    <a:bodyPr/>
-                    <a:lstStyle/>
-                    <a:p>
-                      <a:r>
-                        <a:rPr lang="en-US" dirty="0"/>
-                        <a:t>3643</a:t>
-                      </a:r>
-                    </a:p>
-                  </a:txBody>
-                  <a:tcPr/>
-                </a:tc>
-                <a:tc>
-                  <a:txBody>
-                    <a:bodyPr/>
-                    <a:lstStyle/>
-                    <a:p>
-                      <a:r>
-                        <a:rPr lang="en-US" dirty="0"/>
-                        <a:t>11609</a:t>
-                      </a:r>
-                    </a:p>
-                  </a:txBody>
-                  <a:tcPr/>
-                </a:tc>
-                <a:tc>
-                  <a:txBody>
-                    <a:bodyPr/>
-                    <a:lstStyle/>
-                    <a:p>
-                      <a:r>
-                        <a:rPr lang="en-US" dirty="0"/>
-                        <a:t>41581</a:t>
+                        <a:t>15453</a:t>
+                      </a:r>
+                    </a:p>
+                  </a:txBody>
+                  <a:tcPr/>
+                </a:tc>
+                <a:tc>
+                  <a:txBody>
+                    <a:bodyPr/>
+                    <a:lstStyle/>
+                    <a:p>
+                      <a:r>
+                        <a:rPr lang="en-US" dirty="0"/>
+                        <a:t>1376</a:t>
+                      </a:r>
+                    </a:p>
+                  </a:txBody>
+                  <a:tcPr/>
+                </a:tc>
+                <a:tc>
+                  <a:txBody>
+                    <a:bodyPr/>
+                    <a:lstStyle/>
+                    <a:p>
+                      <a:r>
+                        <a:rPr lang="en-US" dirty="0"/>
+                        <a:t>10303</a:t>
+                      </a:r>
+                    </a:p>
+                  </a:txBody>
+                  <a:tcPr/>
+                </a:tc>
+                <a:tc>
+                  <a:txBody>
+                    <a:bodyPr/>
+                    <a:lstStyle/>
+                    <a:p>
+                      <a:r>
+                        <a:rPr lang="en-US" dirty="0"/>
+                        <a:t>788</a:t>
+                      </a:r>
+                    </a:p>
+                  </a:txBody>
+                  <a:tcPr/>
+                </a:tc>
+                <a:tc>
+                  <a:txBody>
+                    <a:bodyPr/>
+                    <a:lstStyle/>
+                    <a:p>
+                      <a:r>
+                        <a:rPr lang="en-US" dirty="0"/>
+                        <a:t>3673</a:t>
+                      </a:r>
+                    </a:p>
+                  </a:txBody>
+                  <a:tcPr/>
+                </a:tc>
+                <a:tc>
+                  <a:txBody>
+                    <a:bodyPr/>
+                    <a:lstStyle/>
+                    <a:p>
+                      <a:r>
+                        <a:rPr lang="en-US" dirty="0"/>
+                        <a:t>31593</a:t>
                       </a:r>
                     </a:p>
                   </a:txBody>
@@ -4809,7 +4819,7 @@
           <p:nvPr>
             <p:extLst>
               <p:ext uri="{D42A27DB-BD31-4B8C-83A1-F6EECF244321}">
-                <p14:modId xmlns:p14="http://schemas.microsoft.com/office/powerpoint/2010/main" val="863528484"/>
+                <p14:modId xmlns:p14="http://schemas.microsoft.com/office/powerpoint/2010/main" val="449649019"/>
               </p:ext>
             </p:extLst>
           </p:nvPr>
@@ -4991,72 +5001,72 @@
                     <a:p>
                       <a:r>
                         <a:rPr lang="en-US" dirty="0"/>
-                        <a:t>40850</a:t>
-                      </a:r>
-                    </a:p>
-                  </a:txBody>
-                  <a:tcPr/>
-                </a:tc>
-                <a:tc>
-                  <a:txBody>
-                    <a:bodyPr/>
-                    <a:lstStyle/>
-                    <a:p>
-                      <a:r>
-                        <a:rPr lang="en-US" dirty="0"/>
-                        <a:t>4476</a:t>
-                      </a:r>
-                    </a:p>
-                  </a:txBody>
-                  <a:tcPr/>
-                </a:tc>
-                <a:tc>
-                  <a:txBody>
-                    <a:bodyPr/>
-                    <a:lstStyle/>
-                    <a:p>
-                      <a:r>
-                        <a:rPr lang="en-US" dirty="0"/>
-                        <a:t>9945</a:t>
-                      </a:r>
-                    </a:p>
-                  </a:txBody>
-                  <a:tcPr/>
-                </a:tc>
-                <a:tc>
-                  <a:txBody>
-                    <a:bodyPr/>
-                    <a:lstStyle/>
-                    <a:p>
-                      <a:r>
-                        <a:rPr lang="en-US" dirty="0"/>
-                        <a:t>6699</a:t>
-                      </a:r>
-                    </a:p>
-                  </a:txBody>
-                  <a:tcPr/>
-                </a:tc>
-                <a:tc>
-                  <a:txBody>
-                    <a:bodyPr/>
-                    <a:lstStyle/>
-                    <a:p>
-                      <a:r>
-                        <a:rPr lang="en-US" dirty="0"/>
-                        <a:t>24193</a:t>
-                      </a:r>
-                    </a:p>
-                  </a:txBody>
-                  <a:tcPr/>
-                </a:tc>
-                <a:tc>
-                  <a:txBody>
-                    <a:bodyPr/>
-                    <a:lstStyle/>
-                    <a:p>
-                      <a:r>
-                        <a:rPr lang="en-US" dirty="0"/>
-                        <a:t>86163</a:t>
+                        <a:t>20942</a:t>
+                      </a:r>
+                    </a:p>
+                  </a:txBody>
+                  <a:tcPr/>
+                </a:tc>
+                <a:tc>
+                  <a:txBody>
+                    <a:bodyPr/>
+                    <a:lstStyle/>
+                    <a:p>
+                      <a:r>
+                        <a:rPr lang="en-US" dirty="0"/>
+                        <a:t>1894</a:t>
+                      </a:r>
+                    </a:p>
+                  </a:txBody>
+                  <a:tcPr/>
+                </a:tc>
+                <a:tc>
+                  <a:txBody>
+                    <a:bodyPr/>
+                    <a:lstStyle/>
+                    <a:p>
+                      <a:r>
+                        <a:rPr lang="en-US" dirty="0"/>
+                        <a:t>13840</a:t>
+                      </a:r>
+                    </a:p>
+                  </a:txBody>
+                  <a:tcPr/>
+                </a:tc>
+                <a:tc>
+                  <a:txBody>
+                    <a:bodyPr/>
+                    <a:lstStyle/>
+                    <a:p>
+                      <a:r>
+                        <a:rPr lang="en-US" dirty="0"/>
+                        <a:t>1194</a:t>
+                      </a:r>
+                    </a:p>
+                  </a:txBody>
+                  <a:tcPr/>
+                </a:tc>
+                <a:tc>
+                  <a:txBody>
+                    <a:bodyPr/>
+                    <a:lstStyle/>
+                    <a:p>
+                      <a:r>
+                        <a:rPr lang="en-US" dirty="0"/>
+                        <a:t>6067</a:t>
+                      </a:r>
+                    </a:p>
+                  </a:txBody>
+                  <a:tcPr/>
+                </a:tc>
+                <a:tc>
+                  <a:txBody>
+                    <a:bodyPr/>
+                    <a:lstStyle/>
+                    <a:p>
+                      <a:r>
+                        <a:rPr lang="en-US" dirty="0"/>
+                        <a:t>43577</a:t>
                       </a:r>
                     </a:p>
                   </a:txBody>
@@ -5089,72 +5099,72 @@
                     <a:p>
                       <a:r>
                         <a:rPr lang="en-US" dirty="0"/>
-                        <a:t>7880</a:t>
-                      </a:r>
-                    </a:p>
-                  </a:txBody>
-                  <a:tcPr/>
-                </a:tc>
-                <a:tc>
-                  <a:txBody>
-                    <a:bodyPr/>
-                    <a:lstStyle/>
-                    <a:p>
-                      <a:r>
-                        <a:rPr lang="en-US" dirty="0"/>
-                        <a:t>1057</a:t>
-                      </a:r>
-                    </a:p>
-                  </a:txBody>
-                  <a:tcPr/>
-                </a:tc>
-                <a:tc>
-                  <a:txBody>
-                    <a:bodyPr/>
-                    <a:lstStyle/>
-                    <a:p>
-                      <a:r>
-                        <a:rPr lang="en-US" dirty="0"/>
-                        <a:t>2330</a:t>
-                      </a:r>
-                    </a:p>
-                  </a:txBody>
-                  <a:tcPr/>
-                </a:tc>
-                <a:tc>
-                  <a:txBody>
-                    <a:bodyPr/>
-                    <a:lstStyle/>
-                    <a:p>
-                      <a:r>
-                        <a:rPr lang="en-US" dirty="0"/>
-                        <a:t>1729</a:t>
-                      </a:r>
-                    </a:p>
-                  </a:txBody>
-                  <a:tcPr/>
-                </a:tc>
-                <a:tc>
-                  <a:txBody>
-                    <a:bodyPr/>
-                    <a:lstStyle/>
-                    <a:p>
-                      <a:r>
-                        <a:rPr lang="en-US" dirty="0"/>
-                        <a:t>5245</a:t>
-                      </a:r>
-                    </a:p>
-                  </a:txBody>
-                  <a:tcPr/>
-                </a:tc>
-                <a:tc>
-                  <a:txBody>
-                    <a:bodyPr/>
-                    <a:lstStyle/>
-                    <a:p>
-                      <a:r>
-                        <a:rPr lang="en-US" dirty="0"/>
-                        <a:t>18241</a:t>
+                        <a:t>1730</a:t>
+                      </a:r>
+                    </a:p>
+                  </a:txBody>
+                  <a:tcPr/>
+                </a:tc>
+                <a:tc>
+                  <a:txBody>
+                    <a:bodyPr/>
+                    <a:lstStyle/>
+                    <a:p>
+                      <a:r>
+                        <a:rPr lang="en-US" dirty="0"/>
+                        <a:t>364</a:t>
+                      </a:r>
+                    </a:p>
+                  </a:txBody>
+                  <a:tcPr/>
+                </a:tc>
+                <a:tc>
+                  <a:txBody>
+                    <a:bodyPr/>
+                    <a:lstStyle/>
+                    <a:p>
+                      <a:r>
+                        <a:rPr lang="en-US" dirty="0"/>
+                        <a:t>1282</a:t>
+                      </a:r>
+                    </a:p>
+                  </a:txBody>
+                  <a:tcPr/>
+                </a:tc>
+                <a:tc>
+                  <a:txBody>
+                    <a:bodyPr/>
+                    <a:lstStyle/>
+                    <a:p>
+                      <a:r>
+                        <a:rPr lang="en-US" dirty="0"/>
+                        <a:t>253</a:t>
+                      </a:r>
+                    </a:p>
+                  </a:txBody>
+                  <a:tcPr/>
+                </a:tc>
+                <a:tc>
+                  <a:txBody>
+                    <a:bodyPr/>
+                    <a:lstStyle/>
+                    <a:p>
+                      <a:r>
+                        <a:rPr lang="en-US" dirty="0"/>
+                        <a:t>963</a:t>
+                      </a:r>
+                    </a:p>
+                  </a:txBody>
+                  <a:tcPr/>
+                </a:tc>
+                <a:tc>
+                  <a:txBody>
+                    <a:bodyPr/>
+                    <a:lstStyle/>
+                    <a:p>
+                      <a:r>
+                        <a:rPr lang="en-US" dirty="0"/>
+                        <a:t>4592</a:t>
                       </a:r>
                     </a:p>
                   </a:txBody>
